--- a/G13/ER model.pptx
+++ b/G13/ER model.pptx
@@ -12361,12 +12361,12 @@
               <a:t>角色</a:t>
             </a:r>
             <a:r>
-              <a:rPr lang="en-US" altLang="zh-TW" sz="2000">
+              <a:rPr lang="en-US" altLang="zh-TW" sz="2000" dirty="0">
                 <a:solidFill>
                   <a:schemeClr val="tx1"/>
                 </a:solidFill>
               </a:rPr>
-              <a:t>(_role)</a:t>
+              <a:t>(name)</a:t>
             </a:r>
             <a:endParaRPr lang="zh-TW" altLang="en-US" sz="2000" dirty="0">
               <a:solidFill>
